--- a/Lessons/2022/2022_04_21_Cleaning_table_data/Cleaning_table_data_2.pptx
+++ b/Lessons/2022/2022_04_21_Cleaning_table_data/Cleaning_table_data_2.pptx
@@ -300,7 +300,7 @@
           <a:p>
             <a:fld id="{414580BB-13A9-4212-9968-6A314CDFC6C5}" type="datetimeFigureOut">
               <a:rPr lang="en-AU" smtClean="0"/>
-              <a:t>20/04/2022</a:t>
+              <a:t>21/4/2022</a:t>
             </a:fld>
             <a:endParaRPr lang="en-AU"/>
           </a:p>
@@ -500,7 +500,7 @@
           <a:p>
             <a:fld id="{414580BB-13A9-4212-9968-6A314CDFC6C5}" type="datetimeFigureOut">
               <a:rPr lang="en-AU" smtClean="0"/>
-              <a:t>20/04/2022</a:t>
+              <a:t>21/4/2022</a:t>
             </a:fld>
             <a:endParaRPr lang="en-AU"/>
           </a:p>
@@ -710,7 +710,7 @@
           <a:p>
             <a:fld id="{414580BB-13A9-4212-9968-6A314CDFC6C5}" type="datetimeFigureOut">
               <a:rPr lang="en-AU" smtClean="0"/>
-              <a:t>20/04/2022</a:t>
+              <a:t>21/4/2022</a:t>
             </a:fld>
             <a:endParaRPr lang="en-AU"/>
           </a:p>
@@ -942,7 +942,7 @@
           <a:p>
             <a:fld id="{414580BB-13A9-4212-9968-6A314CDFC6C5}" type="datetimeFigureOut">
               <a:rPr lang="en-AU" smtClean="0"/>
-              <a:t>20/04/2022</a:t>
+              <a:t>21/4/2022</a:t>
             </a:fld>
             <a:endParaRPr lang="en-AU"/>
           </a:p>
@@ -1218,7 +1218,7 @@
           <a:p>
             <a:fld id="{414580BB-13A9-4212-9968-6A314CDFC6C5}" type="datetimeFigureOut">
               <a:rPr lang="en-AU" smtClean="0"/>
-              <a:t>20/04/2022</a:t>
+              <a:t>21/4/2022</a:t>
             </a:fld>
             <a:endParaRPr lang="en-AU"/>
           </a:p>
@@ -1486,7 +1486,7 @@
           <a:p>
             <a:fld id="{414580BB-13A9-4212-9968-6A314CDFC6C5}" type="datetimeFigureOut">
               <a:rPr lang="en-AU" smtClean="0"/>
-              <a:t>20/04/2022</a:t>
+              <a:t>21/4/2022</a:t>
             </a:fld>
             <a:endParaRPr lang="en-AU"/>
           </a:p>
@@ -1901,7 +1901,7 @@
           <a:p>
             <a:fld id="{414580BB-13A9-4212-9968-6A314CDFC6C5}" type="datetimeFigureOut">
               <a:rPr lang="en-AU" smtClean="0"/>
-              <a:t>20/04/2022</a:t>
+              <a:t>21/4/2022</a:t>
             </a:fld>
             <a:endParaRPr lang="en-AU"/>
           </a:p>
@@ -2043,7 +2043,7 @@
           <a:p>
             <a:fld id="{414580BB-13A9-4212-9968-6A314CDFC6C5}" type="datetimeFigureOut">
               <a:rPr lang="en-AU" smtClean="0"/>
-              <a:t>20/04/2022</a:t>
+              <a:t>21/4/2022</a:t>
             </a:fld>
             <a:endParaRPr lang="en-AU"/>
           </a:p>
@@ -2156,7 +2156,7 @@
           <a:p>
             <a:fld id="{414580BB-13A9-4212-9968-6A314CDFC6C5}" type="datetimeFigureOut">
               <a:rPr lang="en-AU" smtClean="0"/>
-              <a:t>20/04/2022</a:t>
+              <a:t>21/4/2022</a:t>
             </a:fld>
             <a:endParaRPr lang="en-AU"/>
           </a:p>
@@ -2469,7 +2469,7 @@
           <a:p>
             <a:fld id="{414580BB-13A9-4212-9968-6A314CDFC6C5}" type="datetimeFigureOut">
               <a:rPr lang="en-AU" smtClean="0"/>
-              <a:t>20/04/2022</a:t>
+              <a:t>21/4/2022</a:t>
             </a:fld>
             <a:endParaRPr lang="en-AU"/>
           </a:p>
@@ -2758,7 +2758,7 @@
           <a:p>
             <a:fld id="{414580BB-13A9-4212-9968-6A314CDFC6C5}" type="datetimeFigureOut">
               <a:rPr lang="en-AU" smtClean="0"/>
-              <a:t>20/04/2022</a:t>
+              <a:t>21/4/2022</a:t>
             </a:fld>
             <a:endParaRPr lang="en-AU"/>
           </a:p>
@@ -3001,7 +3001,7 @@
           <a:p>
             <a:fld id="{414580BB-13A9-4212-9968-6A314CDFC6C5}" type="datetimeFigureOut">
               <a:rPr lang="en-AU" smtClean="0"/>
-              <a:t>20/04/2022</a:t>
+              <a:t>21/4/2022</a:t>
             </a:fld>
             <a:endParaRPr lang="en-AU"/>
           </a:p>
@@ -8062,15 +8062,22 @@
               <a:rPr lang="en-AU" dirty="0">
                 <a:latin typeface="Gill Sans MT" panose="020B0502020104020203" pitchFamily="34" charset="0"/>
               </a:rPr>
-              <a:t>2. .</a:t>
-            </a:r>
+              <a:t>2. </a:t>
+            </a:r>
+            <a:r>
+              <a:rPr lang="en-AU" dirty="0"/>
+              <a:t>Identifying problems in our table data</a:t>
+            </a:r>
+            <a:endParaRPr lang="en-AU" dirty="0">
+              <a:latin typeface="Gill Sans MT" panose="020B0502020104020203" pitchFamily="34" charset="0"/>
+            </a:endParaRPr>
           </a:p>
           <a:p>
             <a:r>
               <a:rPr lang="en-AU" dirty="0">
                 <a:latin typeface="Gill Sans MT" panose="020B0502020104020203" pitchFamily="34" charset="0"/>
               </a:rPr>
-              <a:t>3. .</a:t>
+              <a:t>3. Fixing problems in our table data</a:t>
             </a:r>
           </a:p>
         </p:txBody>
@@ -15385,7 +15392,7 @@
         </p:nvSpPr>
         <p:spPr>
           <a:xfrm>
-            <a:off x="356259" y="1825624"/>
+            <a:off x="356259" y="1835898"/>
             <a:ext cx="11567036" cy="4863933"/>
           </a:xfrm>
           <a:prstGeom prst="rect">
@@ -15730,6 +15737,29 @@
             <a:r>
               <a:rPr lang="en-AU" dirty="0"/>
               <a:t> = the function that you want to apply to the chosen columns</a:t>
+            </a:r>
+          </a:p>
+          <a:p>
+            <a:pPr lvl="2"/>
+            <a:r>
+              <a:rPr lang="en-AU" dirty="0"/>
+              <a:t>‘~’ is needed sometimes in front of .</a:t>
+            </a:r>
+            <a:r>
+              <a:rPr lang="en-AU" dirty="0" err="1"/>
+              <a:t>fns</a:t>
+            </a:r>
+            <a:r>
+              <a:rPr lang="en-AU" dirty="0"/>
+              <a:t> (short for function() in </a:t>
+            </a:r>
+            <a:r>
+              <a:rPr lang="en-AU" dirty="0" err="1"/>
+              <a:t>Tidyverse</a:t>
+            </a:r>
+            <a:r>
+              <a:rPr lang="en-AU" dirty="0"/>
+              <a:t>)</a:t>
             </a:r>
           </a:p>
           <a:p>
@@ -15930,7 +15960,7 @@
         </p:spPr>
         <p:txBody>
           <a:bodyPr vert="horz" lIns="91440" tIns="45720" rIns="91440" bIns="45720" rtlCol="0">
-            <a:normAutofit/>
+            <a:normAutofit lnSpcReduction="10000"/>
           </a:bodyPr>
           <a:lstStyle>
             <a:lvl1pPr marL="228600" indent="-228600" algn="l" defTabSz="914400" rtl="0" eaLnBrk="1" latinLnBrk="0" hangingPunct="1">
@@ -16348,6 +16378,62 @@
             </a:r>
           </a:p>
           <a:p>
+            <a:pPr lvl="2"/>
+            <a:r>
+              <a:rPr lang="en-AU" dirty="0">
+                <a:solidFill>
+                  <a:schemeClr val="bg1">
+                    <a:lumMod val="50000"/>
+                  </a:schemeClr>
+                </a:solidFill>
+              </a:rPr>
+              <a:t>‘~’ is needed sometimes in front of .</a:t>
+            </a:r>
+            <a:r>
+              <a:rPr lang="en-AU" dirty="0" err="1">
+                <a:solidFill>
+                  <a:schemeClr val="bg1">
+                    <a:lumMod val="50000"/>
+                  </a:schemeClr>
+                </a:solidFill>
+              </a:rPr>
+              <a:t>fns</a:t>
+            </a:r>
+            <a:r>
+              <a:rPr lang="en-AU" dirty="0">
+                <a:solidFill>
+                  <a:schemeClr val="bg1">
+                    <a:lumMod val="50000"/>
+                  </a:schemeClr>
+                </a:solidFill>
+              </a:rPr>
+              <a:t> (short for function() in </a:t>
+            </a:r>
+            <a:r>
+              <a:rPr lang="en-AU" dirty="0" err="1">
+                <a:solidFill>
+                  <a:schemeClr val="bg1">
+                    <a:lumMod val="50000"/>
+                  </a:schemeClr>
+                </a:solidFill>
+              </a:rPr>
+              <a:t>Tidyverse</a:t>
+            </a:r>
+            <a:r>
+              <a:rPr lang="en-AU" dirty="0">
+                <a:solidFill>
+                  <a:schemeClr val="bg1">
+                    <a:lumMod val="50000"/>
+                  </a:schemeClr>
+                </a:solidFill>
+              </a:rPr>
+              <a:t>)</a:t>
+            </a:r>
+          </a:p>
+          <a:p>
+            <a:pPr marL="0" indent="0">
+              <a:buNone/>
+            </a:pPr>
             <a:endParaRPr lang="en-AU" dirty="0"/>
           </a:p>
           <a:p>
@@ -17024,13 +17110,57 @@
             </a:r>
           </a:p>
           <a:p>
-            <a:endParaRPr lang="en-AU" dirty="0">
-              <a:solidFill>
-                <a:schemeClr val="bg1">
-                  <a:lumMod val="50000"/>
-                </a:schemeClr>
-              </a:solidFill>
-            </a:endParaRPr>
+            <a:pPr lvl="2"/>
+            <a:r>
+              <a:rPr lang="en-AU" dirty="0">
+                <a:solidFill>
+                  <a:schemeClr val="bg1">
+                    <a:lumMod val="50000"/>
+                  </a:schemeClr>
+                </a:solidFill>
+              </a:rPr>
+              <a:t>‘~’ is needed sometimes in front of .</a:t>
+            </a:r>
+            <a:r>
+              <a:rPr lang="en-AU" dirty="0" err="1">
+                <a:solidFill>
+                  <a:schemeClr val="bg1">
+                    <a:lumMod val="50000"/>
+                  </a:schemeClr>
+                </a:solidFill>
+              </a:rPr>
+              <a:t>fns</a:t>
+            </a:r>
+            <a:r>
+              <a:rPr lang="en-AU" dirty="0">
+                <a:solidFill>
+                  <a:schemeClr val="bg1">
+                    <a:lumMod val="50000"/>
+                  </a:schemeClr>
+                </a:solidFill>
+              </a:rPr>
+              <a:t> (short for function() in </a:t>
+            </a:r>
+            <a:r>
+              <a:rPr lang="en-AU" dirty="0" err="1">
+                <a:solidFill>
+                  <a:schemeClr val="bg1">
+                    <a:lumMod val="50000"/>
+                  </a:schemeClr>
+                </a:solidFill>
+              </a:rPr>
+              <a:t>Tidyverse</a:t>
+            </a:r>
+            <a:r>
+              <a:rPr lang="en-AU" dirty="0">
+                <a:solidFill>
+                  <a:schemeClr val="bg1">
+                    <a:lumMod val="50000"/>
+                  </a:schemeClr>
+                </a:solidFill>
+              </a:rPr>
+              <a:t>)</a:t>
+            </a:r>
           </a:p>
           <a:p>
             <a:r>
@@ -18248,14 +18378,26 @@
             <p:ph idx="1"/>
           </p:nvPr>
         </p:nvSpPr>
-        <p:spPr/>
+        <p:spPr>
+          <a:xfrm>
+            <a:off x="838200" y="1825624"/>
+            <a:ext cx="10515600" cy="4667249"/>
+          </a:xfrm>
+        </p:spPr>
         <p:txBody>
           <a:bodyPr>
-            <a:normAutofit lnSpcReduction="10000"/>
+            <a:normAutofit fontScale="85000" lnSpcReduction="20000"/>
           </a:bodyPr>
           <a:lstStyle/>
           <a:p>
             <a:r>
+              <a:rPr lang="en-AU" dirty="0"/>
+              <a:t>Learned to group and summarise our table data with</a:t>
+            </a:r>
+          </a:p>
+          <a:p>
+            <a:pPr lvl="1"/>
+            <a:r>
               <a:rPr lang="en-AU" dirty="0" err="1"/>
               <a:t>group_by</a:t>
             </a:r>
@@ -18273,6 +18415,13 @@
           <a:p>
             <a:r>
               <a:rPr lang="en-AU" dirty="0"/>
+              <a:t>Create new columns and overwrite existing</a:t>
+            </a:r>
+          </a:p>
+          <a:p>
+            <a:pPr lvl="1"/>
+            <a:r>
+              <a:rPr lang="en-AU" dirty="0"/>
               <a:t>mutate()</a:t>
             </a:r>
           </a:p>
@@ -18283,6 +18432,13 @@
             <a:endParaRPr lang="en-AU" dirty="0"/>
           </a:p>
           <a:p>
+            <a:r>
+              <a:rPr lang="en-AU" dirty="0"/>
+              <a:t>Replace character strings (equiv. to find/replace)</a:t>
+            </a:r>
+          </a:p>
+          <a:p>
+            <a:pPr lvl="1"/>
             <a:r>
               <a:rPr lang="en-AU" dirty="0" err="1"/>
               <a:t>str_replace</a:t>
@@ -18299,6 +18455,21 @@
             <a:endParaRPr lang="en-AU" dirty="0"/>
           </a:p>
           <a:p>
+            <a:r>
+              <a:rPr lang="en-AU" dirty="0"/>
+              <a:t>Perform a </a:t>
+            </a:r>
+            <a:r>
+              <a:rPr lang="en-AU" dirty="0" err="1"/>
+              <a:t>dpylr</a:t>
+            </a:r>
+            <a:r>
+              <a:rPr lang="en-AU" dirty="0"/>
+              <a:t> function to multiple or all columns in a table</a:t>
+            </a:r>
+          </a:p>
+          <a:p>
+            <a:pPr lvl="1"/>
             <a:r>
               <a:rPr lang="en-AU" dirty="0"/>
               <a:t>across()</a:t>
@@ -18340,7 +18511,7 @@
         </p:blipFill>
         <p:spPr>
           <a:xfrm>
-            <a:off x="6920213" y="1690688"/>
+            <a:off x="8533255" y="1599500"/>
             <a:ext cx="3168266" cy="3658999"/>
           </a:xfrm>
           <a:prstGeom prst="rect">
